--- a/meeting-6-circle-wheel/Girl Scouts LEGO Robotics - Meeting 6 - Wheel and Circle.pptx
+++ b/meeting-6-circle-wheel/Girl Scouts LEGO Robotics - Meeting 6 - Wheel and Circle.pptx
@@ -5,7 +5,7 @@
     <p:sldMasterId id="2147483660" r:id="rId1"/>
   </p:sldMasterIdLst>
   <p:notesMasterIdLst>
-    <p:notesMasterId r:id="rId11"/>
+    <p:notesMasterId r:id="rId9"/>
   </p:notesMasterIdLst>
   <p:sldIdLst>
     <p:sldId id="256" r:id="rId2"/>
@@ -14,9 +14,7 @@
     <p:sldId id="289" r:id="rId5"/>
     <p:sldId id="288" r:id="rId6"/>
     <p:sldId id="270" r:id="rId7"/>
-    <p:sldId id="287" r:id="rId8"/>
-    <p:sldId id="285" r:id="rId9"/>
-    <p:sldId id="264" r:id="rId10"/>
+    <p:sldId id="264" r:id="rId8"/>
   </p:sldIdLst>
   <p:sldSz cx="9144000" cy="6858000" type="screen4x3"/>
   <p:notesSz cx="6858000" cy="9144000"/>
@@ -200,7 +198,7 @@
           <a:p>
             <a:fld id="{B5261BF8-15EB-4969-8D3F-DAD06607B0EE}" type="datetimeFigureOut">
               <a:rPr lang="en-US" smtClean="0"/>
-              <a:t>8/8/2017</a:t>
+              <a:t>8/15/2017</a:t>
             </a:fld>
             <a:endParaRPr lang="en-US"/>
           </a:p>
@@ -897,7 +895,7 @@
           <a:p>
             <a:fld id="{E6D547B0-6D6A-4208-9E86-F8CA1495CE74}" type="datetimeFigureOut">
               <a:rPr lang="en-US" smtClean="0"/>
-              <a:t>8/8/2017</a:t>
+              <a:t>8/15/2017</a:t>
             </a:fld>
             <a:endParaRPr lang="en-US"/>
           </a:p>
@@ -1189,7 +1187,7 @@
           <a:p>
             <a:fld id="{E6D547B0-6D6A-4208-9E86-F8CA1495CE74}" type="datetimeFigureOut">
               <a:rPr lang="en-US" smtClean="0"/>
-              <a:t>8/8/2017</a:t>
+              <a:t>8/15/2017</a:t>
             </a:fld>
             <a:endParaRPr lang="en-US"/>
           </a:p>
@@ -1364,7 +1362,7 @@
           <a:p>
             <a:fld id="{E6D547B0-6D6A-4208-9E86-F8CA1495CE74}" type="datetimeFigureOut">
               <a:rPr lang="en-US" smtClean="0"/>
-              <a:t>8/8/2017</a:t>
+              <a:t>8/15/2017</a:t>
             </a:fld>
             <a:endParaRPr lang="en-US"/>
           </a:p>
@@ -1889,7 +1887,7 @@
           <a:p>
             <a:fld id="{E6D547B0-6D6A-4208-9E86-F8CA1495CE74}" type="datetimeFigureOut">
               <a:rPr lang="en-US" smtClean="0"/>
-              <a:t>8/8/2017</a:t>
+              <a:t>8/15/2017</a:t>
             </a:fld>
             <a:endParaRPr lang="en-US"/>
           </a:p>
@@ -2002,7 +2000,7 @@
           <a:p>
             <a:fld id="{E6D547B0-6D6A-4208-9E86-F8CA1495CE74}" type="datetimeFigureOut">
               <a:rPr lang="en-US" smtClean="0"/>
-              <a:t>8/8/2017</a:t>
+              <a:t>8/15/2017</a:t>
             </a:fld>
             <a:endParaRPr lang="en-US"/>
           </a:p>
@@ -2541,7 +2539,7 @@
           <a:p>
             <a:fld id="{E6D547B0-6D6A-4208-9E86-F8CA1495CE74}" type="datetimeFigureOut">
               <a:rPr lang="en-US" smtClean="0"/>
-              <a:t>8/8/2017</a:t>
+              <a:t>8/15/2017</a:t>
             </a:fld>
             <a:endParaRPr lang="en-US"/>
           </a:p>
@@ -2654,7 +2652,7 @@
           <a:p>
             <a:fld id="{E6D547B0-6D6A-4208-9E86-F8CA1495CE74}" type="datetimeFigureOut">
               <a:rPr lang="en-US" smtClean="0"/>
-              <a:t>8/8/2017</a:t>
+              <a:t>8/15/2017</a:t>
             </a:fld>
             <a:endParaRPr lang="en-US"/>
           </a:p>
@@ -2744,7 +2742,7 @@
           <a:p>
             <a:fld id="{E6D547B0-6D6A-4208-9E86-F8CA1495CE74}" type="datetimeFigureOut">
               <a:rPr lang="en-US" smtClean="0"/>
-              <a:t>8/8/2017</a:t>
+              <a:t>8/15/2017</a:t>
             </a:fld>
             <a:endParaRPr lang="en-US"/>
           </a:p>
@@ -5395,7 +5393,7 @@
           <a:p>
             <a:fld id="{E6D547B0-6D6A-4208-9E86-F8CA1495CE74}" type="datetimeFigureOut">
               <a:rPr lang="en-US" smtClean="0"/>
-              <a:t>8/8/2017</a:t>
+              <a:t>8/15/2017</a:t>
             </a:fld>
             <a:endParaRPr lang="en-US"/>
           </a:p>
@@ -8607,7 +8605,7 @@
           <a:p>
             <a:fld id="{E6D547B0-6D6A-4208-9E86-F8CA1495CE74}" type="datetimeFigureOut">
               <a:rPr lang="en-US" smtClean="0"/>
-              <a:t>8/8/2017</a:t>
+              <a:t>8/15/2017</a:t>
             </a:fld>
             <a:endParaRPr lang="en-US"/>
           </a:p>
@@ -9005,7 +9003,7 @@
           <a:p>
             <a:fld id="{E6D547B0-6D6A-4208-9E86-F8CA1495CE74}" type="datetimeFigureOut">
               <a:rPr lang="en-US" smtClean="0"/>
-              <a:t>8/8/2017</a:t>
+              <a:t>8/15/2017</a:t>
             </a:fld>
             <a:endParaRPr lang="en-US"/>
           </a:p>
@@ -9530,33 +9528,16 @@
           <a:p>
             <a:r>
               <a:rPr lang="en-US" dirty="0" smtClean="0"/>
-              <a:t>Meeting </a:t>
-            </a:r>
+              <a:t>Meeting 5 – Project</a:t>
+            </a:r>
+          </a:p>
+          <a:p>
+            <a:endParaRPr lang="en-US" dirty="0" smtClean="0"/>
+          </a:p>
+          <a:p>
             <a:r>
               <a:rPr lang="en-US" dirty="0" smtClean="0"/>
-              <a:t>5 </a:t>
-            </a:r>
-            <a:r>
-              <a:rPr lang="en-US" dirty="0" smtClean="0"/>
-              <a:t>– </a:t>
-            </a:r>
-            <a:r>
-              <a:rPr lang="en-US" dirty="0" smtClean="0"/>
-              <a:t>Project</a:t>
-            </a:r>
-            <a:endParaRPr lang="en-US" dirty="0" smtClean="0"/>
-          </a:p>
-          <a:p>
-            <a:endParaRPr lang="en-US" dirty="0" smtClean="0"/>
-          </a:p>
-          <a:p>
-            <a:r>
-              <a:rPr lang="en-US" dirty="0" smtClean="0"/>
-              <a:t>August 8, </a:t>
-            </a:r>
-            <a:r>
-              <a:rPr lang="en-US" dirty="0" smtClean="0"/>
-              <a:t>2017</a:t>
+              <a:t>August 8, 2017</a:t>
             </a:r>
           </a:p>
           <a:p>
@@ -9777,13 +9758,8 @@
           <a:p>
             <a:r>
               <a:rPr lang="en-US" dirty="0" smtClean="0"/>
-              <a:t>Review your </a:t>
-            </a:r>
-            <a:r>
-              <a:rPr lang="en-US" dirty="0" smtClean="0"/>
-              <a:t>core value sentences</a:t>
-            </a:r>
-            <a:endParaRPr lang="en-US" dirty="0" smtClean="0"/>
+              <a:t>Review your core value sentences</a:t>
+            </a:r>
           </a:p>
           <a:p>
             <a:r>
@@ -9802,7 +9778,6 @@
               <a:rPr lang="en-US" dirty="0" smtClean="0"/>
               <a:t>Make the car go the right amount of distance</a:t>
             </a:r>
-            <a:endParaRPr lang="en-US" dirty="0" smtClean="0"/>
           </a:p>
         </p:txBody>
       </p:sp>
@@ -9860,11 +9835,7 @@
           <a:p>
             <a:r>
               <a:rPr lang="en-US" dirty="0" smtClean="0"/>
-              <a:t>Core </a:t>
-            </a:r>
-            <a:r>
-              <a:rPr lang="en-US" dirty="0" smtClean="0"/>
-              <a:t>Values Homework</a:t>
+              <a:t>Core Values Homework</a:t>
             </a:r>
             <a:endParaRPr lang="en-US" dirty="0"/>
           </a:p>
@@ -10519,15 +10490,21 @@
           </a:p>
           <a:p>
             <a:r>
-              <a:rPr lang="en-US" dirty="0" smtClean="0">
+              <a:rPr lang="en-US" dirty="0">
                 <a:solidFill>
                   <a:schemeClr val="bg1"/>
                 </a:solidFill>
               </a:rPr>
-              <a:t>&gt;&gt;&gt;for  I in range(10):</a:t>
-            </a:r>
-          </a:p>
-          <a:p>
+              <a:t>&gt;&gt;&gt; </a:t>
+            </a:r>
+            <a:r>
+              <a:rPr lang="en-US" dirty="0" err="1">
+                <a:solidFill>
+                  <a:schemeClr val="bg1"/>
+                </a:solidFill>
+              </a:rPr>
+              <a:t>def</a:t>
+            </a:r>
             <a:r>
               <a:rPr lang="en-US" dirty="0">
                 <a:solidFill>
@@ -10537,13 +10514,80 @@
               <a:t> </a:t>
             </a:r>
             <a:r>
-              <a:rPr lang="en-US" dirty="0" smtClean="0">
+              <a:rPr lang="en-US" dirty="0" err="1">
                 <a:solidFill>
                   <a:schemeClr val="bg1"/>
                 </a:solidFill>
               </a:rPr>
-              <a:t>   print(i)</a:t>
-            </a:r>
+              <a:t>bigWheelDistance</a:t>
+            </a:r>
+            <a:r>
+              <a:rPr lang="en-US" dirty="0">
+                <a:solidFill>
+                  <a:schemeClr val="bg1"/>
+                </a:solidFill>
+              </a:rPr>
+              <a:t>(</a:t>
+            </a:r>
+            <a:r>
+              <a:rPr lang="en-US" dirty="0" err="1">
+                <a:solidFill>
+                  <a:schemeClr val="bg1"/>
+                </a:solidFill>
+              </a:rPr>
+              <a:t>num</a:t>
+            </a:r>
+            <a:r>
+              <a:rPr lang="en-US" dirty="0">
+                <a:solidFill>
+                  <a:schemeClr val="bg1"/>
+                </a:solidFill>
+              </a:rPr>
+              <a:t>):</a:t>
+            </a:r>
+          </a:p>
+          <a:p>
+            <a:r>
+              <a:rPr lang="en-US" dirty="0">
+                <a:solidFill>
+                  <a:schemeClr val="bg1"/>
+                </a:solidFill>
+              </a:rPr>
+              <a:t>...     pi = 3.14159</a:t>
+            </a:r>
+          </a:p>
+          <a:p>
+            <a:r>
+              <a:rPr lang="en-US" dirty="0">
+                <a:solidFill>
+                  <a:schemeClr val="bg1"/>
+                </a:solidFill>
+              </a:rPr>
+              <a:t>...     print(pi*diameter*</a:t>
+            </a:r>
+            <a:r>
+              <a:rPr lang="en-US" dirty="0" err="1">
+                <a:solidFill>
+                  <a:schemeClr val="bg1"/>
+                </a:solidFill>
+              </a:rPr>
+              <a:t>num</a:t>
+            </a:r>
+            <a:r>
+              <a:rPr lang="en-US" dirty="0">
+                <a:solidFill>
+                  <a:schemeClr val="bg1"/>
+                </a:solidFill>
+              </a:rPr>
+              <a:t>)</a:t>
+            </a:r>
+          </a:p>
+          <a:p>
+            <a:endParaRPr lang="en-US" dirty="0" smtClean="0">
+              <a:solidFill>
+                <a:schemeClr val="bg1"/>
+              </a:solidFill>
+            </a:endParaRPr>
           </a:p>
           <a:p>
             <a:endParaRPr lang="en-US" dirty="0" smtClean="0">
@@ -10586,7 +10630,11 @@
             </a:r>
             <a:r>
               <a:rPr lang="en-US" dirty="0" smtClean="0"/>
-              <a:t>1 – Simple loop</a:t>
+              <a:t>1 – </a:t>
+            </a:r>
+            <a:r>
+              <a:rPr lang="en-US" dirty="0" smtClean="0"/>
+              <a:t>Pi Program</a:t>
             </a:r>
             <a:endParaRPr lang="en-US" dirty="0"/>
           </a:p>
@@ -10641,18 +10689,16 @@
         </p:nvSpPr>
         <p:spPr/>
         <p:txBody>
-          <a:bodyPr>
-            <a:normAutofit fontScale="90000"/>
-          </a:bodyPr>
+          <a:bodyPr/>
           <a:lstStyle/>
           <a:p>
             <a:r>
               <a:rPr lang="en-US" dirty="0" smtClean="0"/>
-              <a:t>Build a Fidget Spinner </a:t>
-            </a:r>
-            <a:r>
-              <a:rPr lang="en-US" dirty="0" err="1" smtClean="0"/>
-              <a:t>Spinner</a:t>
+              <a:t>Next</a:t>
+            </a:r>
+            <a:r>
+              <a:rPr lang="en-US" baseline="0" dirty="0" smtClean="0"/>
+              <a:t> Meeting</a:t>
             </a:r>
             <a:endParaRPr lang="en-US" dirty="0"/>
           </a:p>
@@ -10673,547 +10719,11 @@
           <a:bodyPr/>
           <a:lstStyle/>
           <a:p>
-            <a:endParaRPr lang="en-US"/>
-          </a:p>
-        </p:txBody>
-      </p:sp>
-    </p:spTree>
-    <p:extLst>
-      <p:ext uri="{BB962C8B-B14F-4D97-AF65-F5344CB8AC3E}">
-        <p14:creationId xmlns:p14="http://schemas.microsoft.com/office/powerpoint/2010/main" val="1531325718"/>
-      </p:ext>
-    </p:extLst>
-  </p:cSld>
-  <p:clrMapOvr>
-    <a:masterClrMapping/>
-  </p:clrMapOvr>
-</p:sld>
-</file>
-
-<file path=ppt/slides/slide8.xml><?xml version="1.0" encoding="utf-8"?>
-<p:sld xmlns:a="http://schemas.openxmlformats.org/drawingml/2006/main" xmlns:r="http://schemas.openxmlformats.org/officeDocument/2006/relationships" xmlns:p="http://schemas.openxmlformats.org/presentationml/2006/main">
-  <p:cSld>
-    <p:spTree>
-      <p:nvGrpSpPr>
-        <p:cNvPr id="1" name=""/>
-        <p:cNvGrpSpPr/>
-        <p:nvPr/>
-      </p:nvGrpSpPr>
-      <p:grpSpPr>
-        <a:xfrm>
-          <a:off x="0" y="0"/>
-          <a:ext cx="0" cy="0"/>
-          <a:chOff x="0" y="0"/>
-          <a:chExt cx="0" cy="0"/>
-        </a:xfrm>
-      </p:grpSpPr>
-      <p:sp>
-        <p:nvSpPr>
-          <p:cNvPr id="2" name="Title 1"/>
-          <p:cNvSpPr>
-            <a:spLocks noGrp="1"/>
-          </p:cNvSpPr>
-          <p:nvPr>
-            <p:ph type="title"/>
-          </p:nvPr>
-        </p:nvSpPr>
-        <p:spPr>
-          <a:xfrm>
-            <a:off x="990600" y="304800"/>
-            <a:ext cx="7024744" cy="1143000"/>
-          </a:xfrm>
-        </p:spPr>
-        <p:txBody>
-          <a:bodyPr/>
-          <a:lstStyle/>
-          <a:p>
             <a:r>
               <a:rPr lang="en-US" dirty="0" smtClean="0"/>
-              <a:t>Homework</a:t>
-            </a:r>
-            <a:endParaRPr lang="en-US" dirty="0"/>
-          </a:p>
-        </p:txBody>
-      </p:sp>
-      <p:sp>
-        <p:nvSpPr>
-          <p:cNvPr id="3" name="Content Placeholder 2"/>
-          <p:cNvSpPr>
-            <a:spLocks noGrp="1"/>
-          </p:cNvSpPr>
-          <p:nvPr>
-            <p:ph idx="1"/>
-          </p:nvPr>
-        </p:nvSpPr>
-        <p:spPr>
-          <a:xfrm>
-            <a:off x="990600" y="1371600"/>
-            <a:ext cx="6777317" cy="952948"/>
-          </a:xfrm>
-        </p:spPr>
-        <p:txBody>
-          <a:bodyPr/>
-          <a:lstStyle/>
-          <a:p>
-            <a:r>
-              <a:rPr lang="en-US" dirty="0" smtClean="0"/>
-              <a:t>Write a program that uses a loop with an if statement</a:t>
-            </a:r>
-          </a:p>
-          <a:p>
+              <a:t>Turning the robot</a:t>
+            </a:r>
             <a:endParaRPr lang="en-US" dirty="0" smtClean="0"/>
-          </a:p>
-          <a:p>
-            <a:endParaRPr lang="en-US" dirty="0"/>
-          </a:p>
-        </p:txBody>
-      </p:sp>
-      <p:sp>
-        <p:nvSpPr>
-          <p:cNvPr id="4" name="TextBox 3"/>
-          <p:cNvSpPr txBox="1"/>
-          <p:nvPr/>
-        </p:nvSpPr>
-        <p:spPr>
-          <a:xfrm>
-            <a:off x="990600" y="2209800"/>
-            <a:ext cx="7239000" cy="3810000"/>
-          </a:xfrm>
-          <a:prstGeom prst="rect">
-            <a:avLst/>
-          </a:prstGeom>
-          <a:solidFill>
-            <a:schemeClr val="tx1"/>
-          </a:solidFill>
-        </p:spPr>
-        <p:txBody>
-          <a:bodyPr wrap="square" rtlCol="0">
-            <a:noAutofit/>
-          </a:bodyPr>
-          <a:lstStyle/>
-          <a:p>
-            <a:r>
-              <a:rPr lang="en-US" dirty="0" smtClean="0">
-                <a:solidFill>
-                  <a:schemeClr val="bg1"/>
-                </a:solidFill>
-              </a:rPr>
-              <a:t>&gt;&gt;&gt;</a:t>
-            </a:r>
-            <a:r>
-              <a:rPr lang="en-US" dirty="0" err="1" smtClean="0">
-                <a:solidFill>
-                  <a:schemeClr val="bg1"/>
-                </a:solidFill>
-              </a:rPr>
-              <a:t>myage</a:t>
-            </a:r>
-            <a:r>
-              <a:rPr lang="en-US" dirty="0" smtClean="0">
-                <a:solidFill>
-                  <a:schemeClr val="bg1"/>
-                </a:solidFill>
-              </a:rPr>
-              <a:t>()</a:t>
-            </a:r>
-          </a:p>
-          <a:p>
-            <a:r>
-              <a:rPr lang="en-US" dirty="0" smtClean="0">
-                <a:solidFill>
-                  <a:schemeClr val="bg1"/>
-                </a:solidFill>
-              </a:rPr>
-              <a:t>Allie was 0 years ago a long time ago</a:t>
-            </a:r>
-          </a:p>
-          <a:p>
-            <a:r>
-              <a:rPr lang="en-US" dirty="0">
-                <a:solidFill>
-                  <a:schemeClr val="bg1"/>
-                </a:solidFill>
-              </a:rPr>
-              <a:t>Allie was </a:t>
-            </a:r>
-            <a:r>
-              <a:rPr lang="en-US" dirty="0" smtClean="0">
-                <a:solidFill>
-                  <a:schemeClr val="bg1"/>
-                </a:solidFill>
-              </a:rPr>
-              <a:t>1 </a:t>
-            </a:r>
-            <a:r>
-              <a:rPr lang="en-US" dirty="0">
-                <a:solidFill>
-                  <a:schemeClr val="bg1"/>
-                </a:solidFill>
-              </a:rPr>
-              <a:t>years ago a long time ago</a:t>
-            </a:r>
-          </a:p>
-          <a:p>
-            <a:r>
-              <a:rPr lang="en-US" dirty="0">
-                <a:solidFill>
-                  <a:schemeClr val="bg1"/>
-                </a:solidFill>
-              </a:rPr>
-              <a:t>Allie was </a:t>
-            </a:r>
-            <a:r>
-              <a:rPr lang="en-US" dirty="0" smtClean="0">
-                <a:solidFill>
-                  <a:schemeClr val="bg1"/>
-                </a:solidFill>
-              </a:rPr>
-              <a:t>2 </a:t>
-            </a:r>
-            <a:r>
-              <a:rPr lang="en-US" dirty="0">
-                <a:solidFill>
-                  <a:schemeClr val="bg1"/>
-                </a:solidFill>
-              </a:rPr>
-              <a:t>years ago a long time ago</a:t>
-            </a:r>
-          </a:p>
-          <a:p>
-            <a:r>
-              <a:rPr lang="en-US" dirty="0">
-                <a:solidFill>
-                  <a:schemeClr val="bg1"/>
-                </a:solidFill>
-              </a:rPr>
-              <a:t>Allie was </a:t>
-            </a:r>
-            <a:r>
-              <a:rPr lang="en-US" dirty="0" smtClean="0">
-                <a:solidFill>
-                  <a:schemeClr val="bg1"/>
-                </a:solidFill>
-              </a:rPr>
-              <a:t>3 </a:t>
-            </a:r>
-            <a:r>
-              <a:rPr lang="en-US" dirty="0">
-                <a:solidFill>
-                  <a:schemeClr val="bg1"/>
-                </a:solidFill>
-              </a:rPr>
-              <a:t>years ago a long time ago</a:t>
-            </a:r>
-          </a:p>
-          <a:p>
-            <a:r>
-              <a:rPr lang="en-US" dirty="0">
-                <a:solidFill>
-                  <a:schemeClr val="bg1"/>
-                </a:solidFill>
-              </a:rPr>
-              <a:t>Allie was </a:t>
-            </a:r>
-            <a:r>
-              <a:rPr lang="en-US" dirty="0" smtClean="0">
-                <a:solidFill>
-                  <a:schemeClr val="bg1"/>
-                </a:solidFill>
-              </a:rPr>
-              <a:t>4 </a:t>
-            </a:r>
-            <a:r>
-              <a:rPr lang="en-US" dirty="0">
-                <a:solidFill>
-                  <a:schemeClr val="bg1"/>
-                </a:solidFill>
-              </a:rPr>
-              <a:t>years ago a long time ago</a:t>
-            </a:r>
-          </a:p>
-          <a:p>
-            <a:r>
-              <a:rPr lang="en-US" dirty="0">
-                <a:solidFill>
-                  <a:schemeClr val="bg1"/>
-                </a:solidFill>
-              </a:rPr>
-              <a:t>Allie was </a:t>
-            </a:r>
-            <a:r>
-              <a:rPr lang="en-US" dirty="0" smtClean="0">
-                <a:solidFill>
-                  <a:schemeClr val="bg1"/>
-                </a:solidFill>
-              </a:rPr>
-              <a:t>5 </a:t>
-            </a:r>
-            <a:r>
-              <a:rPr lang="en-US" dirty="0">
-                <a:solidFill>
-                  <a:schemeClr val="bg1"/>
-                </a:solidFill>
-              </a:rPr>
-              <a:t>years ago a long time ago</a:t>
-            </a:r>
-          </a:p>
-          <a:p>
-            <a:r>
-              <a:rPr lang="en-US" dirty="0">
-                <a:solidFill>
-                  <a:schemeClr val="bg1"/>
-                </a:solidFill>
-              </a:rPr>
-              <a:t>Allie was </a:t>
-            </a:r>
-            <a:r>
-              <a:rPr lang="en-US" dirty="0" smtClean="0">
-                <a:solidFill>
-                  <a:schemeClr val="bg1"/>
-                </a:solidFill>
-              </a:rPr>
-              <a:t>6 </a:t>
-            </a:r>
-            <a:r>
-              <a:rPr lang="en-US" dirty="0">
-                <a:solidFill>
-                  <a:schemeClr val="bg1"/>
-                </a:solidFill>
-              </a:rPr>
-              <a:t>years ago a long time ago</a:t>
-            </a:r>
-          </a:p>
-          <a:p>
-            <a:r>
-              <a:rPr lang="en-US" dirty="0">
-                <a:solidFill>
-                  <a:schemeClr val="bg1"/>
-                </a:solidFill>
-              </a:rPr>
-              <a:t>Allie was </a:t>
-            </a:r>
-            <a:r>
-              <a:rPr lang="en-US" dirty="0" smtClean="0">
-                <a:solidFill>
-                  <a:schemeClr val="bg1"/>
-                </a:solidFill>
-              </a:rPr>
-              <a:t>7 </a:t>
-            </a:r>
-            <a:r>
-              <a:rPr lang="en-US" dirty="0">
-                <a:solidFill>
-                  <a:schemeClr val="bg1"/>
-                </a:solidFill>
-              </a:rPr>
-              <a:t>years ago a long time ago</a:t>
-            </a:r>
-          </a:p>
-          <a:p>
-            <a:r>
-              <a:rPr lang="en-US" dirty="0">
-                <a:solidFill>
-                  <a:schemeClr val="bg1"/>
-                </a:solidFill>
-              </a:rPr>
-              <a:t>Allie was </a:t>
-            </a:r>
-            <a:r>
-              <a:rPr lang="en-US" dirty="0" smtClean="0">
-                <a:solidFill>
-                  <a:schemeClr val="bg1"/>
-                </a:solidFill>
-              </a:rPr>
-              <a:t>8 </a:t>
-            </a:r>
-            <a:r>
-              <a:rPr lang="en-US" dirty="0">
-                <a:solidFill>
-                  <a:schemeClr val="bg1"/>
-                </a:solidFill>
-              </a:rPr>
-              <a:t>years ago a long time ago</a:t>
-            </a:r>
-          </a:p>
-          <a:p>
-            <a:r>
-              <a:rPr lang="en-US" dirty="0">
-                <a:solidFill>
-                  <a:schemeClr val="bg1"/>
-                </a:solidFill>
-              </a:rPr>
-              <a:t>Allie was </a:t>
-            </a:r>
-            <a:r>
-              <a:rPr lang="en-US" dirty="0" smtClean="0">
-                <a:solidFill>
-                  <a:schemeClr val="bg1"/>
-                </a:solidFill>
-              </a:rPr>
-              <a:t>9 </a:t>
-            </a:r>
-            <a:r>
-              <a:rPr lang="en-US" dirty="0">
-                <a:solidFill>
-                  <a:schemeClr val="bg1"/>
-                </a:solidFill>
-              </a:rPr>
-              <a:t>years ago a long time ago</a:t>
-            </a:r>
-          </a:p>
-          <a:p>
-            <a:r>
-              <a:rPr lang="en-US" dirty="0">
-                <a:solidFill>
-                  <a:schemeClr val="bg1"/>
-                </a:solidFill>
-              </a:rPr>
-              <a:t>Allie was </a:t>
-            </a:r>
-            <a:r>
-              <a:rPr lang="en-US" dirty="0" smtClean="0">
-                <a:solidFill>
-                  <a:schemeClr val="bg1"/>
-                </a:solidFill>
-              </a:rPr>
-              <a:t>10 </a:t>
-            </a:r>
-            <a:r>
-              <a:rPr lang="en-US" dirty="0">
-                <a:solidFill>
-                  <a:schemeClr val="bg1"/>
-                </a:solidFill>
-              </a:rPr>
-              <a:t>years ago a long time ago</a:t>
-            </a:r>
-          </a:p>
-          <a:p>
-            <a:r>
-              <a:rPr lang="en-US" dirty="0" smtClean="0">
-                <a:solidFill>
-                  <a:schemeClr val="bg1"/>
-                </a:solidFill>
-              </a:rPr>
-              <a:t>Allie is 11 today!</a:t>
-            </a:r>
-            <a:endParaRPr lang="en-US" dirty="0">
-              <a:solidFill>
-                <a:schemeClr val="bg1"/>
-              </a:solidFill>
-            </a:endParaRPr>
-          </a:p>
-          <a:p>
-            <a:endParaRPr lang="en-US" dirty="0" smtClean="0">
-              <a:solidFill>
-                <a:schemeClr val="bg1"/>
-              </a:solidFill>
-            </a:endParaRPr>
-          </a:p>
-          <a:p>
-            <a:endParaRPr lang="en-US" dirty="0" smtClean="0">
-              <a:solidFill>
-                <a:schemeClr val="bg1"/>
-              </a:solidFill>
-            </a:endParaRPr>
-          </a:p>
-          <a:p>
-            <a:endParaRPr lang="en-US" dirty="0" smtClean="0">
-              <a:solidFill>
-                <a:schemeClr val="bg1"/>
-              </a:solidFill>
-            </a:endParaRPr>
-          </a:p>
-        </p:txBody>
-      </p:sp>
-    </p:spTree>
-    <p:extLst>
-      <p:ext uri="{BB962C8B-B14F-4D97-AF65-F5344CB8AC3E}">
-        <p14:creationId xmlns:p14="http://schemas.microsoft.com/office/powerpoint/2010/main" val="486156508"/>
-      </p:ext>
-    </p:extLst>
-  </p:cSld>
-  <p:clrMapOvr>
-    <a:masterClrMapping/>
-  </p:clrMapOvr>
-  <p:timing>
-    <p:tnLst>
-      <p:par>
-        <p:cTn id="1" dur="indefinite" restart="never" nodeType="tmRoot"/>
-      </p:par>
-    </p:tnLst>
-  </p:timing>
-</p:sld>
-</file>
-
-<file path=ppt/slides/slide9.xml><?xml version="1.0" encoding="utf-8"?>
-<p:sld xmlns:a="http://schemas.openxmlformats.org/drawingml/2006/main" xmlns:r="http://schemas.openxmlformats.org/officeDocument/2006/relationships" xmlns:p="http://schemas.openxmlformats.org/presentationml/2006/main">
-  <p:cSld>
-    <p:spTree>
-      <p:nvGrpSpPr>
-        <p:cNvPr id="1" name=""/>
-        <p:cNvGrpSpPr/>
-        <p:nvPr/>
-      </p:nvGrpSpPr>
-      <p:grpSpPr>
-        <a:xfrm>
-          <a:off x="0" y="0"/>
-          <a:ext cx="0" cy="0"/>
-          <a:chOff x="0" y="0"/>
-          <a:chExt cx="0" cy="0"/>
-        </a:xfrm>
-      </p:grpSpPr>
-      <p:sp>
-        <p:nvSpPr>
-          <p:cNvPr id="2" name="Title 1"/>
-          <p:cNvSpPr>
-            <a:spLocks noGrp="1"/>
-          </p:cNvSpPr>
-          <p:nvPr>
-            <p:ph type="title"/>
-          </p:nvPr>
-        </p:nvSpPr>
-        <p:spPr/>
-        <p:txBody>
-          <a:bodyPr/>
-          <a:lstStyle/>
-          <a:p>
-            <a:r>
-              <a:rPr lang="en-US" dirty="0" smtClean="0"/>
-              <a:t>Next</a:t>
-            </a:r>
-            <a:r>
-              <a:rPr lang="en-US" baseline="0" dirty="0" smtClean="0"/>
-              <a:t> Meeting</a:t>
-            </a:r>
-            <a:endParaRPr lang="en-US" dirty="0"/>
-          </a:p>
-        </p:txBody>
-      </p:sp>
-      <p:sp>
-        <p:nvSpPr>
-          <p:cNvPr id="3" name="Content Placeholder 2"/>
-          <p:cNvSpPr>
-            <a:spLocks noGrp="1"/>
-          </p:cNvSpPr>
-          <p:nvPr>
-            <p:ph idx="1"/>
-          </p:nvPr>
-        </p:nvSpPr>
-        <p:spPr/>
-        <p:txBody>
-          <a:bodyPr/>
-          <a:lstStyle/>
-          <a:p>
-            <a:r>
-              <a:rPr lang="en-US" dirty="0" smtClean="0"/>
-              <a:t>Loops 2</a:t>
-            </a:r>
-          </a:p>
-          <a:p>
-            <a:r>
-              <a:rPr lang="en-US" dirty="0" smtClean="0"/>
-              <a:t>Using a switch</a:t>
-            </a:r>
           </a:p>
         </p:txBody>
       </p:sp>

--- a/meeting-6-circle-wheel/Girl Scouts LEGO Robotics - Meeting 6 - Wheel and Circle.pptx
+++ b/meeting-6-circle-wheel/Girl Scouts LEGO Robotics - Meeting 6 - Wheel and Circle.pptx
@@ -113,7 +113,27 @@
       </a:defRPr>
     </a:lvl9pPr>
   </p:defaultTextStyle>
+  <p:extLst>
+    <p:ext uri="{EFAFB233-063F-42B5-8137-9DF3F51BA10A}">
+      <p15:sldGuideLst xmlns:p15="http://schemas.microsoft.com/office/powerpoint/2012/main">
+        <p15:guide id="1" orient="horz" pos="2160">
+          <p15:clr>
+            <a:srgbClr val="A4A3A4"/>
+          </p15:clr>
+        </p15:guide>
+        <p15:guide id="2" pos="2880">
+          <p15:clr>
+            <a:srgbClr val="A4A3A4"/>
+          </p15:clr>
+        </p15:guide>
+      </p15:sldGuideLst>
+    </p:ext>
+  </p:extLst>
 </p:presentation>
+</file>
+
+<file path=ppt/revisionInfo.xml><?xml version="1.0" encoding="utf-8"?>
+<p1510:revInfo xmlns:a="http://schemas.openxmlformats.org/drawingml/2006/main" xmlns:r="http://schemas.openxmlformats.org/officeDocument/2006/relationships" xmlns:p1510="http://schemas.microsoft.com/office/powerpoint/2015/10/main"/>
 </file>
 
 <file path=ppt/notesMasters/notesMaster1.xml><?xml version="1.0" encoding="utf-8"?>
@@ -262,38 +282,37 @@
           <a:p>
             <a:pPr lvl="0"/>
             <a:r>
-              <a:rPr lang="en-US" smtClean="0"/>
+              <a:rPr lang="en-US"/>
               <a:t>Click to edit Master text styles</a:t>
             </a:r>
           </a:p>
           <a:p>
             <a:pPr lvl="1"/>
             <a:r>
-              <a:rPr lang="en-US" smtClean="0"/>
+              <a:rPr lang="en-US"/>
               <a:t>Second level</a:t>
             </a:r>
           </a:p>
           <a:p>
             <a:pPr lvl="2"/>
             <a:r>
-              <a:rPr lang="en-US" smtClean="0"/>
+              <a:rPr lang="en-US"/>
               <a:t>Third level</a:t>
             </a:r>
           </a:p>
           <a:p>
             <a:pPr lvl="3"/>
             <a:r>
-              <a:rPr lang="en-US" smtClean="0"/>
+              <a:rPr lang="en-US"/>
               <a:t>Fourth level</a:t>
             </a:r>
           </a:p>
           <a:p>
             <a:pPr lvl="4"/>
             <a:r>
-              <a:rPr lang="en-US" smtClean="0"/>
+              <a:rPr lang="en-US"/>
               <a:t>Fifth level</a:t>
             </a:r>
-            <a:endParaRPr lang="en-US"/>
           </a:p>
         </p:txBody>
       </p:sp>
@@ -511,20 +530,19 @@
           <a:lstStyle/>
           <a:p>
             <a:r>
-              <a:rPr lang="en-US" dirty="0" err="1" smtClean="0"/>
+              <a:rPr lang="en-US" dirty="0" err="1"/>
               <a:t>Efrom</a:t>
             </a:r>
             <a:r>
-              <a:rPr lang="en-US" dirty="0" smtClean="0"/>
+              <a:rPr lang="en-US" dirty="0"/>
               <a:t> </a:t>
             </a:r>
           </a:p>
           <a:p>
             <a:r>
-              <a:rPr lang="en-US" dirty="0" smtClean="0"/>
+              <a:rPr lang="en-US" dirty="0"/>
               <a:t>Nathan</a:t>
             </a:r>
-            <a:endParaRPr lang="en-US" dirty="0"/>
           </a:p>
         </p:txBody>
       </p:sp>
@@ -743,7 +761,7 @@
           </a:lstStyle>
           <a:p>
             <a:r>
-              <a:rPr lang="en-US" smtClean="0"/>
+              <a:rPr lang="en-US"/>
               <a:t>Click to edit Master title style</a:t>
             </a:r>
             <a:endParaRPr lang="en-US" dirty="0"/>
@@ -862,7 +880,7 @@
           </a:lstStyle>
           <a:p>
             <a:r>
-              <a:rPr lang="en-US" smtClean="0"/>
+              <a:rPr lang="en-US"/>
               <a:t>Click to edit Master subtitle style</a:t>
             </a:r>
             <a:endParaRPr lang="en-US" dirty="0"/>
@@ -1068,13 +1086,6 @@
   <p:clrMapOvr>
     <a:masterClrMapping/>
   </p:clrMapOvr>
-  <p:timing>
-    <p:tnLst>
-      <p:par>
-        <p:cTn id="1" dur="indefinite" restart="never" nodeType="tmRoot"/>
-      </p:par>
-    </p:tnLst>
-  </p:timing>
 </p:sldLayout>
 </file>
 
@@ -1111,10 +1122,9 @@
           <a:lstStyle/>
           <a:p>
             <a:r>
-              <a:rPr lang="en-US" smtClean="0"/>
+              <a:rPr lang="en-US"/>
               <a:t>Click to edit Master title style</a:t>
             </a:r>
-            <a:endParaRPr lang="en-US"/>
           </a:p>
         </p:txBody>
       </p:sp>
@@ -1135,38 +1145,37 @@
           <a:p>
             <a:pPr lvl="0"/>
             <a:r>
-              <a:rPr lang="en-US" smtClean="0"/>
+              <a:rPr lang="en-US"/>
               <a:t>Click to edit Master text styles</a:t>
             </a:r>
           </a:p>
           <a:p>
             <a:pPr lvl="1"/>
             <a:r>
-              <a:rPr lang="en-US" smtClean="0"/>
+              <a:rPr lang="en-US"/>
               <a:t>Second level</a:t>
             </a:r>
           </a:p>
           <a:p>
             <a:pPr lvl="2"/>
             <a:r>
-              <a:rPr lang="en-US" smtClean="0"/>
+              <a:rPr lang="en-US"/>
               <a:t>Third level</a:t>
             </a:r>
           </a:p>
           <a:p>
             <a:pPr lvl="3"/>
             <a:r>
-              <a:rPr lang="en-US" smtClean="0"/>
+              <a:rPr lang="en-US"/>
               <a:t>Fourth level</a:t>
             </a:r>
           </a:p>
           <a:p>
             <a:pPr lvl="4"/>
             <a:r>
-              <a:rPr lang="en-US" smtClean="0"/>
+              <a:rPr lang="en-US"/>
               <a:t>Fifth level</a:t>
             </a:r>
-            <a:endParaRPr lang="en-US"/>
           </a:p>
         </p:txBody>
       </p:sp>
@@ -1281,10 +1290,9 @@
           <a:lstStyle/>
           <a:p>
             <a:r>
-              <a:rPr lang="en-US" smtClean="0"/>
+              <a:rPr lang="en-US"/>
               <a:t>Click to edit Master title style</a:t>
             </a:r>
-            <a:endParaRPr lang="en-US"/>
           </a:p>
         </p:txBody>
       </p:sp>
@@ -1310,38 +1318,37 @@
           <a:p>
             <a:pPr lvl="0"/>
             <a:r>
-              <a:rPr lang="en-US" smtClean="0"/>
+              <a:rPr lang="en-US"/>
               <a:t>Click to edit Master text styles</a:t>
             </a:r>
           </a:p>
           <a:p>
             <a:pPr lvl="1"/>
             <a:r>
-              <a:rPr lang="en-US" smtClean="0"/>
+              <a:rPr lang="en-US"/>
               <a:t>Second level</a:t>
             </a:r>
           </a:p>
           <a:p>
             <a:pPr lvl="2"/>
             <a:r>
-              <a:rPr lang="en-US" smtClean="0"/>
+              <a:rPr lang="en-US"/>
               <a:t>Third level</a:t>
             </a:r>
           </a:p>
           <a:p>
             <a:pPr lvl="3"/>
             <a:r>
-              <a:rPr lang="en-US" smtClean="0"/>
+              <a:rPr lang="en-US"/>
               <a:t>Fourth level</a:t>
             </a:r>
           </a:p>
           <a:p>
             <a:pPr lvl="4"/>
             <a:r>
-              <a:rPr lang="en-US" smtClean="0"/>
+              <a:rPr lang="en-US"/>
               <a:t>Fifth level</a:t>
             </a:r>
-            <a:endParaRPr lang="en-US"/>
           </a:p>
         </p:txBody>
       </p:sp>
@@ -1451,10 +1458,9 @@
           <a:lstStyle/>
           <a:p>
             <a:r>
-              <a:rPr lang="en-US" smtClean="0"/>
+              <a:rPr lang="en-US"/>
               <a:t>Click to edit Master title style</a:t>
             </a:r>
-            <a:endParaRPr lang="en-US"/>
           </a:p>
         </p:txBody>
       </p:sp>
@@ -1475,35 +1481,35 @@
           <a:p>
             <a:pPr lvl="0"/>
             <a:r>
-              <a:rPr lang="en-US" smtClean="0"/>
+              <a:rPr lang="en-US"/>
               <a:t>Click to edit Master text styles</a:t>
             </a:r>
           </a:p>
           <a:p>
             <a:pPr lvl="1"/>
             <a:r>
-              <a:rPr lang="en-US" smtClean="0"/>
+              <a:rPr lang="en-US"/>
               <a:t>Second level</a:t>
             </a:r>
           </a:p>
           <a:p>
             <a:pPr lvl="2"/>
             <a:r>
-              <a:rPr lang="en-US" smtClean="0"/>
+              <a:rPr lang="en-US"/>
               <a:t>Third level</a:t>
             </a:r>
           </a:p>
           <a:p>
             <a:pPr lvl="3"/>
             <a:r>
-              <a:rPr lang="en-US" smtClean="0"/>
+              <a:rPr lang="en-US"/>
               <a:t>Fourth level</a:t>
             </a:r>
           </a:p>
           <a:p>
             <a:pPr lvl="4"/>
             <a:r>
-              <a:rPr lang="en-US" smtClean="0"/>
+              <a:rPr lang="en-US"/>
               <a:t>Fifth level</a:t>
             </a:r>
             <a:endParaRPr lang="en-US" dirty="0"/>
@@ -1553,7 +1559,7 @@
           <a:p>
             <a:pPr algn="ctr"/>
             <a:r>
-              <a:rPr lang="en-US" sz="3200" b="1" cap="none" spc="0" dirty="0" err="1" smtClean="0">
+              <a:rPr lang="en-US" sz="3200" b="1" cap="none" spc="0" dirty="0" err="1">
                 <a:ln w="12700">
                   <a:solidFill>
                     <a:schemeClr val="tx2">
@@ -1580,7 +1586,7 @@
               <a:t>Rockin</a:t>
             </a:r>
             <a:r>
-              <a:rPr lang="en-US" sz="3200" b="1" cap="none" spc="0" dirty="0" smtClean="0">
+              <a:rPr lang="en-US" sz="3200" b="1" cap="none" spc="0" dirty="0">
                 <a:ln w="12700">
                   <a:solidFill>
                     <a:schemeClr val="tx2">
@@ -1607,7 +1613,7 @@
               <a:t>’</a:t>
             </a:r>
             <a:r>
-              <a:rPr lang="en-US" sz="3200" b="1" cap="none" spc="0" baseline="0" dirty="0" smtClean="0">
+              <a:rPr lang="en-US" sz="3200" b="1" cap="none" spc="0" baseline="0" dirty="0">
                 <a:ln w="12700">
                   <a:solidFill>
                     <a:schemeClr val="tx2">
@@ -1634,7 +1640,7 @@
               <a:t> </a:t>
             </a:r>
             <a:r>
-              <a:rPr lang="en-US" sz="3200" b="1" cap="none" spc="0" dirty="0" smtClean="0">
+              <a:rPr lang="en-US" sz="3200" b="1" cap="none" spc="0" dirty="0">
                 <a:ln w="12700">
                   <a:solidFill>
                     <a:schemeClr val="tx2">
@@ -1660,30 +1666,6 @@
               </a:rPr>
               <a:t>Robots</a:t>
             </a:r>
-            <a:endParaRPr lang="en-US" sz="3200" b="1" cap="none" spc="0" dirty="0">
-              <a:ln w="12700">
-                <a:solidFill>
-                  <a:schemeClr val="tx2">
-                    <a:satMod val="155000"/>
-                  </a:schemeClr>
-                </a:solidFill>
-                <a:prstDash val="solid"/>
-              </a:ln>
-              <a:solidFill>
-                <a:schemeClr val="bg2">
-                  <a:tint val="85000"/>
-                  <a:satMod val="155000"/>
-                </a:schemeClr>
-              </a:solidFill>
-              <a:effectLst>
-                <a:outerShdw blurRad="41275" dist="20320" dir="1800000" algn="tl" rotWithShape="0">
-                  <a:srgbClr val="000000">
-                    <a:alpha val="40000"/>
-                  </a:srgbClr>
-                </a:outerShdw>
-              </a:effectLst>
-              <a:latin typeface="Harlow Solid Italic" pitchFamily="82" charset="0"/>
-            </a:endParaRPr>
           </a:p>
         </p:txBody>
       </p:sp>
@@ -1692,13 +1674,6 @@
   <p:clrMapOvr>
     <a:masterClrMapping/>
   </p:clrMapOvr>
-  <p:timing>
-    <p:tnLst>
-      <p:par>
-        <p:cTn id="1" dur="indefinite" restart="never" nodeType="tmRoot"/>
-      </p:par>
-    </p:tnLst>
-  </p:timing>
 </p:sldLayout>
 </file>
 
@@ -1744,7 +1719,7 @@
           </a:lstStyle>
           <a:p>
             <a:r>
-              <a:rPr lang="en-US" smtClean="0"/>
+              <a:rPr lang="en-US"/>
               <a:t>Click to edit Master title style</a:t>
             </a:r>
             <a:endParaRPr lang="en-US" dirty="0"/>
@@ -1864,7 +1839,7 @@
           <a:p>
             <a:pPr lvl="0"/>
             <a:r>
-              <a:rPr lang="en-US" smtClean="0"/>
+              <a:rPr lang="en-US"/>
               <a:t>Click to edit Master text styles</a:t>
             </a:r>
           </a:p>
@@ -1976,10 +1951,9 @@
           <a:lstStyle/>
           <a:p>
             <a:r>
-              <a:rPr lang="en-US" smtClean="0"/>
+              <a:rPr lang="en-US"/>
               <a:t>Click to edit Master title style</a:t>
             </a:r>
-            <a:endParaRPr lang="en-US"/>
           </a:p>
         </p:txBody>
       </p:sp>
@@ -2070,35 +2044,35 @@
           <a:p>
             <a:pPr lvl="0"/>
             <a:r>
-              <a:rPr lang="en-US" smtClean="0"/>
+              <a:rPr lang="en-US"/>
               <a:t>Click to edit Master text styles</a:t>
             </a:r>
           </a:p>
           <a:p>
             <a:pPr lvl="1"/>
             <a:r>
-              <a:rPr lang="en-US" smtClean="0"/>
+              <a:rPr lang="en-US"/>
               <a:t>Second level</a:t>
             </a:r>
           </a:p>
           <a:p>
             <a:pPr lvl="2"/>
             <a:r>
-              <a:rPr lang="en-US" smtClean="0"/>
+              <a:rPr lang="en-US"/>
               <a:t>Third level</a:t>
             </a:r>
           </a:p>
           <a:p>
             <a:pPr lvl="3"/>
             <a:r>
-              <a:rPr lang="en-US" smtClean="0"/>
+              <a:rPr lang="en-US"/>
               <a:t>Fourth level</a:t>
             </a:r>
           </a:p>
           <a:p>
             <a:pPr lvl="4"/>
             <a:r>
-              <a:rPr lang="en-US" smtClean="0"/>
+              <a:rPr lang="en-US"/>
               <a:t>Fifth level</a:t>
             </a:r>
             <a:endParaRPr lang="en-US" dirty="0"/>
@@ -2127,38 +2101,37 @@
           <a:p>
             <a:pPr lvl="0"/>
             <a:r>
-              <a:rPr lang="en-US" smtClean="0"/>
+              <a:rPr lang="en-US"/>
               <a:t>Click to edit Master text styles</a:t>
             </a:r>
           </a:p>
           <a:p>
             <a:pPr lvl="1"/>
             <a:r>
-              <a:rPr lang="en-US" smtClean="0"/>
+              <a:rPr lang="en-US"/>
               <a:t>Second level</a:t>
             </a:r>
           </a:p>
           <a:p>
             <a:pPr lvl="2"/>
             <a:r>
-              <a:rPr lang="en-US" smtClean="0"/>
+              <a:rPr lang="en-US"/>
               <a:t>Third level</a:t>
             </a:r>
           </a:p>
           <a:p>
             <a:pPr lvl="3"/>
             <a:r>
-              <a:rPr lang="en-US" smtClean="0"/>
+              <a:rPr lang="en-US"/>
               <a:t>Fourth level</a:t>
             </a:r>
           </a:p>
           <a:p>
             <a:pPr lvl="4"/>
             <a:r>
-              <a:rPr lang="en-US" smtClean="0"/>
+              <a:rPr lang="en-US"/>
               <a:t>Fifth level</a:t>
             </a:r>
-            <a:endParaRPr lang="en-US"/>
           </a:p>
         </p:txBody>
       </p:sp>
@@ -2207,10 +2180,9 @@
           </a:lstStyle>
           <a:p>
             <a:r>
-              <a:rPr lang="en-US" smtClean="0"/>
+              <a:rPr lang="en-US"/>
               <a:t>Click to edit Master title style</a:t>
             </a:r>
-            <a:endParaRPr lang="en-US"/>
           </a:p>
         </p:txBody>
       </p:sp>
@@ -2277,7 +2249,7 @@
           <a:p>
             <a:pPr lvl="0"/>
             <a:r>
-              <a:rPr lang="en-US" smtClean="0"/>
+              <a:rPr lang="en-US"/>
               <a:t>Click to edit Master text styles</a:t>
             </a:r>
           </a:p>
@@ -2333,35 +2305,35 @@
           <a:p>
             <a:pPr lvl="0"/>
             <a:r>
-              <a:rPr lang="en-US" smtClean="0"/>
+              <a:rPr lang="en-US"/>
               <a:t>Click to edit Master text styles</a:t>
             </a:r>
           </a:p>
           <a:p>
             <a:pPr lvl="1"/>
             <a:r>
-              <a:rPr lang="en-US" smtClean="0"/>
+              <a:rPr lang="en-US"/>
               <a:t>Second level</a:t>
             </a:r>
           </a:p>
           <a:p>
             <a:pPr lvl="2"/>
             <a:r>
-              <a:rPr lang="en-US" smtClean="0"/>
+              <a:rPr lang="en-US"/>
               <a:t>Third level</a:t>
             </a:r>
           </a:p>
           <a:p>
             <a:pPr lvl="3"/>
             <a:r>
-              <a:rPr lang="en-US" smtClean="0"/>
+              <a:rPr lang="en-US"/>
               <a:t>Fourth level</a:t>
             </a:r>
           </a:p>
           <a:p>
             <a:pPr lvl="4"/>
             <a:r>
-              <a:rPr lang="en-US" smtClean="0"/>
+              <a:rPr lang="en-US"/>
               <a:t>Fifth level</a:t>
             </a:r>
             <a:endParaRPr lang="en-US" dirty="0"/>
@@ -2431,7 +2403,7 @@
           <a:p>
             <a:pPr lvl="0"/>
             <a:r>
-              <a:rPr lang="en-US" smtClean="0"/>
+              <a:rPr lang="en-US"/>
               <a:t>Click to edit Master text styles</a:t>
             </a:r>
           </a:p>
@@ -2487,35 +2459,35 @@
           <a:p>
             <a:pPr lvl="0"/>
             <a:r>
-              <a:rPr lang="en-US" smtClean="0"/>
+              <a:rPr lang="en-US"/>
               <a:t>Click to edit Master text styles</a:t>
             </a:r>
           </a:p>
           <a:p>
             <a:pPr lvl="1"/>
             <a:r>
-              <a:rPr lang="en-US" smtClean="0"/>
+              <a:rPr lang="en-US"/>
               <a:t>Second level</a:t>
             </a:r>
           </a:p>
           <a:p>
             <a:pPr lvl="2"/>
             <a:r>
-              <a:rPr lang="en-US" smtClean="0"/>
+              <a:rPr lang="en-US"/>
               <a:t>Third level</a:t>
             </a:r>
           </a:p>
           <a:p>
             <a:pPr lvl="3"/>
             <a:r>
-              <a:rPr lang="en-US" smtClean="0"/>
+              <a:rPr lang="en-US"/>
               <a:t>Fourth level</a:t>
             </a:r>
           </a:p>
           <a:p>
             <a:pPr lvl="4"/>
             <a:r>
-              <a:rPr lang="en-US" smtClean="0"/>
+              <a:rPr lang="en-US"/>
               <a:t>Fifth level</a:t>
             </a:r>
             <a:endParaRPr lang="en-US" dirty="0"/>
@@ -2628,10 +2600,9 @@
           <a:lstStyle/>
           <a:p>
             <a:r>
-              <a:rPr lang="en-US" smtClean="0"/>
+              <a:rPr lang="en-US"/>
               <a:t>Click to edit Master title style</a:t>
             </a:r>
-            <a:endParaRPr lang="en-US"/>
           </a:p>
         </p:txBody>
       </p:sp>
@@ -5520,35 +5491,35 @@
           <a:p>
             <a:pPr lvl="0"/>
             <a:r>
-              <a:rPr lang="en-US" smtClean="0"/>
+              <a:rPr lang="en-US"/>
               <a:t>Click to edit Master text styles</a:t>
             </a:r>
           </a:p>
           <a:p>
             <a:pPr lvl="1"/>
             <a:r>
-              <a:rPr lang="en-US" smtClean="0"/>
+              <a:rPr lang="en-US"/>
               <a:t>Second level</a:t>
             </a:r>
           </a:p>
           <a:p>
             <a:pPr lvl="2"/>
             <a:r>
-              <a:rPr lang="en-US" smtClean="0"/>
+              <a:rPr lang="en-US"/>
               <a:t>Third level</a:t>
             </a:r>
           </a:p>
           <a:p>
             <a:pPr lvl="3"/>
             <a:r>
-              <a:rPr lang="en-US" smtClean="0"/>
+              <a:rPr lang="en-US"/>
               <a:t>Fourth level</a:t>
             </a:r>
           </a:p>
           <a:p>
             <a:pPr lvl="4"/>
             <a:r>
-              <a:rPr lang="en-US" smtClean="0"/>
+              <a:rPr lang="en-US"/>
               <a:t>Fifth level</a:t>
             </a:r>
             <a:endParaRPr lang="en-US" dirty="0"/>
@@ -5654,10 +5625,9 @@
           </a:lstStyle>
           <a:p>
             <a:r>
-              <a:rPr lang="en-US" smtClean="0"/>
+              <a:rPr lang="en-US"/>
               <a:t>Click to edit Master title style</a:t>
             </a:r>
-            <a:endParaRPr lang="en-US"/>
           </a:p>
         </p:txBody>
       </p:sp>
@@ -5726,7 +5696,7 @@
           <a:p>
             <a:pPr lvl="0"/>
             <a:r>
-              <a:rPr lang="en-US" smtClean="0"/>
+              <a:rPr lang="en-US"/>
               <a:t>Click to edit Master text styles</a:t>
             </a:r>
           </a:p>
@@ -8441,10 +8411,9 @@
           </a:lstStyle>
           <a:p>
             <a:r>
-              <a:rPr lang="en-US" smtClean="0"/>
+              <a:rPr lang="en-US"/>
               <a:t>Click to edit Master title style</a:t>
             </a:r>
-            <a:endParaRPr lang="en-US"/>
           </a:p>
         </p:txBody>
       </p:sp>
@@ -8510,7 +8479,7 @@
           </a:lstStyle>
           <a:p>
             <a:r>
-              <a:rPr lang="en-US" smtClean="0"/>
+              <a:rPr lang="en-US"/>
               <a:t>Click icon to add picture</a:t>
             </a:r>
             <a:endParaRPr lang="en-US" dirty="0"/>
@@ -8582,7 +8551,7 @@
           <a:p>
             <a:pPr lvl="0"/>
             <a:r>
-              <a:rPr lang="en-US" smtClean="0"/>
+              <a:rPr lang="en-US"/>
               <a:t>Click to edit Master text styles</a:t>
             </a:r>
           </a:p>
@@ -8901,7 +8870,7 @@
           <a:lstStyle/>
           <a:p>
             <a:r>
-              <a:rPr lang="en-US" smtClean="0"/>
+              <a:rPr lang="en-US"/>
               <a:t>Click to edit Master title style</a:t>
             </a:r>
             <a:endParaRPr lang="en-US" dirty="0"/>
@@ -8935,35 +8904,35 @@
           <a:p>
             <a:pPr lvl="0"/>
             <a:r>
-              <a:rPr lang="en-US" smtClean="0"/>
+              <a:rPr lang="en-US"/>
               <a:t>Click to edit Master text styles</a:t>
             </a:r>
           </a:p>
           <a:p>
             <a:pPr lvl="1"/>
             <a:r>
-              <a:rPr lang="en-US" smtClean="0"/>
+              <a:rPr lang="en-US"/>
               <a:t>Second level</a:t>
             </a:r>
           </a:p>
           <a:p>
             <a:pPr lvl="2"/>
             <a:r>
-              <a:rPr lang="en-US" smtClean="0"/>
+              <a:rPr lang="en-US"/>
               <a:t>Third level</a:t>
             </a:r>
           </a:p>
           <a:p>
             <a:pPr lvl="3"/>
             <a:r>
-              <a:rPr lang="en-US" smtClean="0"/>
+              <a:rPr lang="en-US"/>
               <a:t>Fourth level</a:t>
             </a:r>
           </a:p>
           <a:p>
             <a:pPr lvl="4"/>
             <a:r>
-              <a:rPr lang="en-US" smtClean="0"/>
+              <a:rPr lang="en-US"/>
               <a:t>Fifth level</a:t>
             </a:r>
             <a:endParaRPr lang="en-US" dirty="0"/>
@@ -9099,13 +9068,6 @@
     <p:sldLayoutId id="2147483670" r:id="rId10"/>
     <p:sldLayoutId id="2147483671" r:id="rId11"/>
   </p:sldLayoutIdLst>
-  <p:timing>
-    <p:tnLst>
-      <p:par>
-        <p:cTn id="1" dur="indefinite" restart="never" nodeType="tmRoot"/>
-      </p:par>
-    </p:tnLst>
-  </p:timing>
   <p:txStyles>
     <p:titleStyle>
       <a:lvl1pPr algn="l" defTabSz="914400" rtl="0" eaLnBrk="1" latinLnBrk="0" hangingPunct="1">
@@ -9485,29 +9447,13 @@
           </a:bodyPr>
           <a:lstStyle/>
           <a:p>
-            <a:r>
-              <a:rPr lang="en-US" dirty="0" smtClean="0"/>
-              <a:t/>
-            </a:r>
             <a:br>
-              <a:rPr lang="en-US" dirty="0" smtClean="0"/>
+              <a:rPr lang="en-US" dirty="0"/>
             </a:br>
             <a:r>
-              <a:rPr lang="en-US" dirty="0" err="1" smtClean="0"/>
-              <a:t>Cybergirls</a:t>
-            </a:r>
-            <a:r>
-              <a:rPr lang="en-US" dirty="0" smtClean="0"/>
-              <a:t/>
-            </a:r>
-            <a:br>
-              <a:rPr lang="en-US" dirty="0" smtClean="0"/>
-            </a:br>
-            <a:r>
-              <a:rPr lang="en-US" dirty="0" smtClean="0"/>
+              <a:rPr lang="en-US" dirty="0"/>
               <a:t>Girl Scouts LEGO Robotics</a:t>
             </a:r>
-            <a:endParaRPr lang="en-US" dirty="0"/>
           </a:p>
         </p:txBody>
       </p:sp>
@@ -9527,16 +9473,16 @@
           <a:lstStyle/>
           <a:p>
             <a:r>
-              <a:rPr lang="en-US" dirty="0" smtClean="0"/>
-              <a:t>Meeting 5 – Project</a:t>
-            </a:r>
-          </a:p>
-          <a:p>
-            <a:endParaRPr lang="en-US" dirty="0" smtClean="0"/>
-          </a:p>
-          <a:p>
-            <a:r>
-              <a:rPr lang="en-US" dirty="0" smtClean="0"/>
+              <a:rPr lang="en-US" dirty="0"/>
+              <a:t>Meeting 6 – Circle &amp; Wheels</a:t>
+            </a:r>
+          </a:p>
+          <a:p>
+            <a:endParaRPr lang="en-US" dirty="0"/>
+          </a:p>
+          <a:p>
+            <a:r>
+              <a:rPr lang="en-US" dirty="0"/>
               <a:t>August 8, 2017</a:t>
             </a:r>
           </a:p>
@@ -9569,7 +9515,7 @@
           <a:p>
             <a:pPr algn="ctr"/>
             <a:r>
-              <a:rPr lang="en-US" sz="4800" b="1" cap="none" spc="0" dirty="0" err="1" smtClean="0">
+              <a:rPr lang="en-US" sz="4800" b="1" cap="none" spc="0" dirty="0" err="1">
                 <a:ln w="12700">
                   <a:solidFill>
                     <a:schemeClr val="tx2">
@@ -9596,7 +9542,7 @@
               <a:t>Rockin</a:t>
             </a:r>
             <a:r>
-              <a:rPr lang="en-US" sz="4800" b="1" cap="none" spc="0" dirty="0" smtClean="0">
+              <a:rPr lang="en-US" sz="4800" b="1" cap="none" spc="0" dirty="0">
                 <a:ln w="12700">
                   <a:solidFill>
                     <a:schemeClr val="tx2">
@@ -9626,7 +9572,7 @@
           <a:p>
             <a:pPr algn="ctr"/>
             <a:r>
-              <a:rPr lang="en-US" sz="4800" b="1" cap="none" spc="0" dirty="0" smtClean="0">
+              <a:rPr lang="en-US" sz="4800" b="1" cap="none" spc="0" dirty="0">
                 <a:ln w="12700">
                   <a:solidFill>
                     <a:schemeClr val="tx2">
@@ -9652,30 +9598,6 @@
               </a:rPr>
               <a:t>Robots</a:t>
             </a:r>
-            <a:endParaRPr lang="en-US" sz="4800" b="1" cap="none" spc="0" dirty="0">
-              <a:ln w="12700">
-                <a:solidFill>
-                  <a:schemeClr val="tx2">
-                    <a:satMod val="155000"/>
-                  </a:schemeClr>
-                </a:solidFill>
-                <a:prstDash val="solid"/>
-              </a:ln>
-              <a:solidFill>
-                <a:schemeClr val="bg2">
-                  <a:tint val="85000"/>
-                  <a:satMod val="155000"/>
-                </a:schemeClr>
-              </a:solidFill>
-              <a:effectLst>
-                <a:outerShdw blurRad="41275" dist="20320" dir="1800000" algn="tl" rotWithShape="0">
-                  <a:srgbClr val="000000">
-                    <a:alpha val="40000"/>
-                  </a:srgbClr>
-                </a:outerShdw>
-              </a:effectLst>
-              <a:latin typeface="Harlow Solid Italic" pitchFamily="82" charset="0"/>
-            </a:endParaRPr>
           </a:p>
         </p:txBody>
       </p:sp>
@@ -9689,13 +9611,6 @@
   <p:clrMapOvr>
     <a:masterClrMapping/>
   </p:clrMapOvr>
-  <p:timing>
-    <p:tnLst>
-      <p:par>
-        <p:cTn id="1" dur="indefinite" restart="never" nodeType="tmRoot"/>
-      </p:par>
-    </p:tnLst>
-  </p:timing>
 </p:sld>
 </file>
 
@@ -9732,10 +9647,9 @@
           <a:lstStyle/>
           <a:p>
             <a:r>
-              <a:rPr lang="en-US" dirty="0" smtClean="0"/>
+              <a:rPr lang="en-US" dirty="0"/>
               <a:t>What are we doing today?</a:t>
             </a:r>
-            <a:endParaRPr lang="en-US" dirty="0"/>
           </a:p>
         </p:txBody>
       </p:sp>
@@ -9757,25 +9671,31 @@
           <a:lstStyle/>
           <a:p>
             <a:r>
-              <a:rPr lang="en-US" dirty="0" smtClean="0"/>
+              <a:rPr lang="en-US" dirty="0"/>
               <a:t>Review your core value sentences</a:t>
             </a:r>
           </a:p>
           <a:p>
             <a:r>
-              <a:rPr lang="en-US" dirty="0" smtClean="0"/>
+              <a:rPr lang="en-US" dirty="0"/>
+              <a:t>Learn about wheel circumference</a:t>
+            </a:r>
+          </a:p>
+          <a:p>
+            <a:r>
+              <a:rPr lang="en-US" dirty="0"/>
+              <a:t>Program for wheel rotations</a:t>
+            </a:r>
+          </a:p>
+          <a:p>
+            <a:r>
+              <a:rPr lang="en-US" dirty="0"/>
               <a:t>Run the robot</a:t>
             </a:r>
           </a:p>
           <a:p>
             <a:r>
-              <a:rPr lang="en-US" dirty="0" smtClean="0"/>
-              <a:t>Learn about wheel circumference</a:t>
-            </a:r>
-          </a:p>
-          <a:p>
-            <a:r>
-              <a:rPr lang="en-US" dirty="0" smtClean="0"/>
+              <a:rPr lang="en-US" dirty="0"/>
               <a:t>Make the car go the right amount of distance</a:t>
             </a:r>
           </a:p>
@@ -9791,13 +9711,6 @@
   <p:clrMapOvr>
     <a:masterClrMapping/>
   </p:clrMapOvr>
-  <p:timing>
-    <p:tnLst>
-      <p:par>
-        <p:cTn id="1" dur="indefinite" restart="never" nodeType="tmRoot"/>
-      </p:par>
-    </p:tnLst>
-  </p:timing>
 </p:sld>
 </file>
 
@@ -9834,10 +9747,9 @@
           <a:lstStyle/>
           <a:p>
             <a:r>
-              <a:rPr lang="en-US" dirty="0" smtClean="0"/>
+              <a:rPr lang="en-US" dirty="0"/>
               <a:t>Core Values Homework</a:t>
             </a:r>
-            <a:endParaRPr lang="en-US" dirty="0"/>
           </a:p>
         </p:txBody>
       </p:sp>
@@ -9870,13 +9782,6 @@
   <p:clrMapOvr>
     <a:masterClrMapping/>
   </p:clrMapOvr>
-  <p:timing>
-    <p:tnLst>
-      <p:par>
-        <p:cTn id="1" dur="indefinite" restart="never" nodeType="tmRoot"/>
-      </p:par>
-    </p:tnLst>
-  </p:timing>
 </p:sld>
 </file>
 
@@ -9913,10 +9818,9 @@
           <a:lstStyle/>
           <a:p>
             <a:r>
-              <a:rPr lang="en-US" dirty="0" smtClean="0"/>
+              <a:rPr lang="en-US" dirty="0"/>
               <a:t>The Magic of Pi</a:t>
             </a:r>
-            <a:endParaRPr lang="en-US" dirty="0"/>
           </a:p>
         </p:txBody>
       </p:sp>
@@ -9984,14 +9888,13 @@
           <a:lstStyle/>
           <a:p>
             <a:r>
-              <a:rPr lang="el-GR" sz="5400" dirty="0" smtClean="0"/>
+              <a:rPr lang="el-GR" sz="5400" dirty="0"/>
               <a:t>π</a:t>
             </a:r>
             <a:r>
-              <a:rPr lang="en-US" sz="5400" dirty="0" smtClean="0"/>
+              <a:rPr lang="en-US" sz="5400" dirty="0"/>
               <a:t>  = pi = </a:t>
             </a:r>
-            <a:endParaRPr lang="en-US" sz="5400" dirty="0"/>
           </a:p>
         </p:txBody>
       </p:sp>
@@ -10005,13 +9908,6 @@
   <p:clrMapOvr>
     <a:masterClrMapping/>
   </p:clrMapOvr>
-  <p:timing>
-    <p:tnLst>
-      <p:par>
-        <p:cTn id="1" dur="indefinite" restart="never" nodeType="tmRoot"/>
-      </p:par>
-    </p:tnLst>
-  </p:timing>
 </p:sld>
 </file>
 
@@ -10048,10 +9944,9 @@
           <a:lstStyle/>
           <a:p>
             <a:r>
-              <a:rPr lang="en-US" dirty="0" smtClean="0"/>
+              <a:rPr lang="en-US" dirty="0"/>
               <a:t>Circumference of a Circle</a:t>
             </a:r>
-            <a:endParaRPr lang="en-US" dirty="0"/>
           </a:p>
         </p:txBody>
       </p:sp>
@@ -10068,53 +9963,41 @@
         <p:spPr>
           <a:xfrm>
             <a:off x="1169446" y="2495326"/>
-            <a:ext cx="3528508" cy="1486348"/>
+            <a:ext cx="4088354" cy="2152874"/>
           </a:xfrm>
         </p:spPr>
         <p:txBody>
-          <a:bodyPr/>
+          <a:bodyPr>
+            <a:normAutofit/>
+          </a:bodyPr>
           <a:lstStyle/>
           <a:p>
             <a:r>
-              <a:rPr lang="en-US" dirty="0"/>
+              <a:rPr lang="en-US" sz="3200" dirty="0"/>
               <a:t>Circumference = </a:t>
             </a:r>
-            <a:endParaRPr lang="en-US" dirty="0" smtClean="0"/>
           </a:p>
           <a:p>
             <a:pPr lvl="1"/>
             <a:r>
-              <a:rPr lang="el-GR" dirty="0" smtClean="0"/>
-              <a:t>π</a:t>
-            </a:r>
-            <a:r>
-              <a:rPr lang="el-GR" dirty="0"/>
-              <a:t> × </a:t>
-            </a:r>
-            <a:r>
-              <a:rPr lang="en-US" dirty="0" smtClean="0"/>
+              <a:rPr lang="el-GR" sz="2800" dirty="0"/>
+              <a:t>π × </a:t>
+            </a:r>
+            <a:r>
+              <a:rPr lang="en-US" sz="2800" dirty="0"/>
               <a:t>diameter</a:t>
             </a:r>
           </a:p>
           <a:p>
             <a:pPr lvl="1"/>
             <a:r>
-              <a:rPr lang="el-GR" dirty="0" smtClean="0"/>
-              <a:t>π</a:t>
-            </a:r>
-            <a:r>
-              <a:rPr lang="el-GR" dirty="0"/>
-              <a:t> × </a:t>
-            </a:r>
-            <a:r>
-              <a:rPr lang="en-US" dirty="0"/>
-              <a:t>2 × </a:t>
-            </a:r>
-            <a:r>
-              <a:rPr lang="en-US" dirty="0" smtClean="0"/>
-              <a:t>radius</a:t>
-            </a:r>
-            <a:endParaRPr lang="en-US" dirty="0"/>
+              <a:rPr lang="el-GR" sz="2800" dirty="0"/>
+              <a:t>π × </a:t>
+            </a:r>
+            <a:r>
+              <a:rPr lang="en-US" sz="2800" dirty="0"/>
+              <a:t>2 × radius</a:t>
+            </a:r>
           </a:p>
         </p:txBody>
       </p:sp>
@@ -10220,10 +10103,9 @@
           <a:lstStyle/>
           <a:p>
             <a:r>
-              <a:rPr lang="en-US" dirty="0" smtClean="0"/>
+              <a:rPr lang="en-US" dirty="0"/>
               <a:t>Diameter</a:t>
             </a:r>
-            <a:endParaRPr lang="en-US" dirty="0"/>
           </a:p>
         </p:txBody>
       </p:sp>
@@ -10329,10 +10211,9 @@
           <a:lstStyle/>
           <a:p>
             <a:r>
-              <a:rPr lang="en-US" dirty="0" smtClean="0"/>
+              <a:rPr lang="en-US" dirty="0"/>
               <a:t>Radius</a:t>
             </a:r>
-            <a:endParaRPr lang="en-US" dirty="0"/>
           </a:p>
         </p:txBody>
       </p:sp>
@@ -10404,10 +10285,9 @@
           <a:lstStyle/>
           <a:p>
             <a:r>
-              <a:rPr lang="en-US" sz="1400" dirty="0" smtClean="0"/>
+              <a:rPr lang="en-US" sz="1400" dirty="0"/>
               <a:t>Circumference</a:t>
             </a:r>
-            <a:endParaRPr lang="en-US" sz="1400" dirty="0"/>
           </a:p>
         </p:txBody>
       </p:sp>
@@ -10421,13 +10301,6 @@
   <p:clrMapOvr>
     <a:masterClrMapping/>
   </p:clrMapOvr>
-  <p:timing>
-    <p:tnLst>
-      <p:par>
-        <p:cTn id="1" dur="indefinite" restart="never" nodeType="tmRoot"/>
-      </p:par>
-    </p:tnLst>
-  </p:timing>
 </p:sld>
 </file>
 
@@ -10473,7 +10346,7 @@
           <a:lstStyle/>
           <a:p>
             <a:r>
-              <a:rPr lang="en-US" dirty="0" smtClean="0">
+              <a:rPr lang="en-US" dirty="0">
                 <a:solidFill>
                   <a:schemeClr val="bg1"/>
                 </a:solidFill>
@@ -10583,14 +10456,14 @@
             </a:r>
           </a:p>
           <a:p>
-            <a:endParaRPr lang="en-US" dirty="0" smtClean="0">
+            <a:endParaRPr lang="en-US" dirty="0">
               <a:solidFill>
                 <a:schemeClr val="bg1"/>
               </a:solidFill>
             </a:endParaRPr>
           </a:p>
           <a:p>
-            <a:endParaRPr lang="en-US" dirty="0" smtClean="0">
+            <a:endParaRPr lang="en-US" dirty="0">
               <a:solidFill>
                 <a:schemeClr val="bg1"/>
               </a:solidFill>
@@ -10621,22 +10494,17 @@
           <a:lstStyle/>
           <a:p>
             <a:r>
-              <a:rPr lang="en-US" dirty="0" smtClean="0"/>
+              <a:rPr lang="en-US" dirty="0"/>
               <a:t>Hands-on</a:t>
             </a:r>
             <a:r>
-              <a:rPr lang="en-US" baseline="0" dirty="0" smtClean="0"/>
+              <a:rPr lang="en-US" baseline="0" dirty="0"/>
               <a:t> </a:t>
             </a:r>
             <a:r>
-              <a:rPr lang="en-US" dirty="0" smtClean="0"/>
-              <a:t>1 – </a:t>
-            </a:r>
-            <a:r>
-              <a:rPr lang="en-US" dirty="0" smtClean="0"/>
-              <a:t>Pi Program</a:t>
-            </a:r>
-            <a:endParaRPr lang="en-US" dirty="0"/>
+              <a:rPr lang="en-US" dirty="0"/>
+              <a:t>1 – Pi Program</a:t>
+            </a:r>
           </a:p>
         </p:txBody>
       </p:sp>
@@ -10650,13 +10518,6 @@
   <p:clrMapOvr>
     <a:masterClrMapping/>
   </p:clrMapOvr>
-  <p:timing>
-    <p:tnLst>
-      <p:par>
-        <p:cTn id="1" dur="indefinite" restart="never" nodeType="tmRoot"/>
-      </p:par>
-    </p:tnLst>
-  </p:timing>
 </p:sld>
 </file>
 
@@ -10693,11 +10554,11 @@
           <a:lstStyle/>
           <a:p>
             <a:r>
-              <a:rPr lang="en-US" dirty="0" smtClean="0"/>
+              <a:rPr lang="en-US" dirty="0"/>
               <a:t>Next</a:t>
             </a:r>
             <a:r>
-              <a:rPr lang="en-US" baseline="0" dirty="0" smtClean="0"/>
+              <a:rPr lang="en-US" baseline="0" dirty="0"/>
               <a:t> Meeting</a:t>
             </a:r>
             <a:endParaRPr lang="en-US" dirty="0"/>
@@ -10720,10 +10581,9 @@
           <a:lstStyle/>
           <a:p>
             <a:r>
-              <a:rPr lang="en-US" dirty="0" smtClean="0"/>
+              <a:rPr lang="en-US" dirty="0"/>
               <a:t>Turning the robot</a:t>
             </a:r>
-            <a:endParaRPr lang="en-US" dirty="0" smtClean="0"/>
           </a:p>
         </p:txBody>
       </p:sp>
@@ -10737,13 +10597,6 @@
   <p:clrMapOvr>
     <a:masterClrMapping/>
   </p:clrMapOvr>
-  <p:timing>
-    <p:tnLst>
-      <p:par>
-        <p:cTn id="1" dur="indefinite" restart="never" nodeType="tmRoot"/>
-      </p:par>
-    </p:tnLst>
-  </p:timing>
 </p:sld>
 </file>
 
